--- a/2018Android/Jour1/Slide/02_PrésentationAndroid.pptx
+++ b/2018Android/Jour1/Slide/02_PrésentationAndroid.pptx
@@ -223,7 +223,7 @@
           <a:p>
             <a:fld id="{51B2C27B-043C-4910-8F8C-2E4C99ED81E2}" type="datetimeFigureOut">
               <a:rPr lang="fr-BE" smtClean="0"/>
-              <a:t>26/06/18</a:t>
+              <a:t>10/07/18</a:t>
             </a:fld>
             <a:endParaRPr lang="fr-BE"/>
           </a:p>
@@ -804,7 +804,7 @@
           <a:p>
             <a:fld id="{ED0E9C9C-B616-401A-9FCE-CE9F46EA34F9}" type="datetime1">
               <a:rPr lang="fr-BE" smtClean="0"/>
-              <a:t>26/06/18</a:t>
+              <a:t>10/07/18</a:t>
             </a:fld>
             <a:endParaRPr lang="fr-BE"/>
           </a:p>
@@ -1138,7 +1138,7 @@
           <a:p>
             <a:fld id="{9D1011BC-B0AA-4EAC-AD05-71D0C9E288BF}" type="datetime1">
               <a:rPr lang="fr-BE" smtClean="0"/>
-              <a:t>26/06/18</a:t>
+              <a:t>10/07/18</a:t>
             </a:fld>
             <a:endParaRPr lang="fr-BE"/>
           </a:p>
@@ -1416,7 +1416,7 @@
           <a:p>
             <a:fld id="{889F5A93-6E03-4B90-8FDB-F3CA050D7C0F}" type="datetime1">
               <a:rPr lang="fr-BE" smtClean="0"/>
-              <a:t>26/06/18</a:t>
+              <a:t>10/07/18</a:t>
             </a:fld>
             <a:endParaRPr lang="fr-BE"/>
           </a:p>
@@ -1984,7 +1984,7 @@
           <a:p>
             <a:fld id="{5E94963B-B034-41F7-91A9-DBE4147260CC}" type="datetime1">
               <a:rPr lang="fr-BE" smtClean="0"/>
-              <a:t>26/06/18</a:t>
+              <a:t>10/07/18</a:t>
             </a:fld>
             <a:endParaRPr lang="fr-BE"/>
           </a:p>
@@ -2262,7 +2262,7 @@
           <a:p>
             <a:fld id="{62613945-F5D2-4768-9B01-2F450DB3F9AB}" type="datetime1">
               <a:rPr lang="fr-BE" smtClean="0"/>
-              <a:t>26/06/18</a:t>
+              <a:t>10/07/18</a:t>
             </a:fld>
             <a:endParaRPr lang="fr-BE"/>
           </a:p>
@@ -2824,7 +2824,7 @@
           <a:p>
             <a:fld id="{08D216A8-DFA9-4ED4-BA3E-FD2F4F8AEF13}" type="datetime1">
               <a:rPr lang="fr-BE" smtClean="0"/>
-              <a:t>26/06/18</a:t>
+              <a:t>10/07/18</a:t>
             </a:fld>
             <a:endParaRPr lang="fr-BE"/>
           </a:p>
@@ -3152,7 +3152,7 @@
           <a:p>
             <a:fld id="{08D216A8-DFA9-4ED4-BA3E-FD2F4F8AEF13}" type="datetime1">
               <a:rPr lang="fr-BE" smtClean="0"/>
-              <a:t>26/06/18</a:t>
+              <a:t>10/07/18</a:t>
             </a:fld>
             <a:endParaRPr lang="fr-BE"/>
           </a:p>
@@ -3358,7 +3358,7 @@
           <a:p>
             <a:fld id="{068F77F9-DDAD-4851-BB0D-E4CABAD98F35}" type="datetime1">
               <a:rPr lang="fr-BE" smtClean="0"/>
-              <a:t>26/06/18</a:t>
+              <a:t>10/07/18</a:t>
             </a:fld>
             <a:endParaRPr lang="fr-BE"/>
           </a:p>
@@ -3568,7 +3568,7 @@
           <a:p>
             <a:fld id="{3ECEDC47-2667-43DF-9C2E-01466030ACA9}" type="datetime1">
               <a:rPr lang="fr-BE" smtClean="0"/>
-              <a:t>26/06/18</a:t>
+              <a:t>10/07/18</a:t>
             </a:fld>
             <a:endParaRPr lang="fr-BE"/>
           </a:p>
@@ -3768,7 +3768,7 @@
           <a:p>
             <a:fld id="{A0EE5001-6BA9-4515-B7D0-1846250461C7}" type="datetime1">
               <a:rPr lang="fr-BE" smtClean="0"/>
-              <a:t>26/06/18</a:t>
+              <a:t>10/07/18</a:t>
             </a:fld>
             <a:endParaRPr lang="fr-BE"/>
           </a:p>
@@ -4044,7 +4044,7 @@
           <a:p>
             <a:fld id="{08D216A8-DFA9-4ED4-BA3E-FD2F4F8AEF13}" type="datetime1">
               <a:rPr lang="fr-BE" smtClean="0"/>
-              <a:t>26/06/18</a:t>
+              <a:t>10/07/18</a:t>
             </a:fld>
             <a:endParaRPr lang="fr-BE"/>
           </a:p>
@@ -4311,7 +4311,7 @@
           <a:p>
             <a:fld id="{ABFE7234-1C5C-4ACE-A994-6E768E93C27E}" type="datetime1">
               <a:rPr lang="fr-BE" smtClean="0"/>
-              <a:t>26/06/18</a:t>
+              <a:t>10/07/18</a:t>
             </a:fld>
             <a:endParaRPr lang="fr-BE"/>
           </a:p>
@@ -4685,7 +4685,7 @@
           <a:p>
             <a:fld id="{9FDAF5E0-B2D8-4BB5-A643-47E181C54AE0}" type="datetime1">
               <a:rPr lang="fr-BE" smtClean="0"/>
-              <a:t>26/06/18</a:t>
+              <a:t>10/07/18</a:t>
             </a:fld>
             <a:endParaRPr lang="fr-BE"/>
           </a:p>
@@ -4833,7 +4833,7 @@
           <a:p>
             <a:fld id="{CC2A1780-686F-4177-BCEC-794470965581}" type="datetime1">
               <a:rPr lang="fr-BE" smtClean="0"/>
-              <a:t>26/06/18</a:t>
+              <a:t>10/07/18</a:t>
             </a:fld>
             <a:endParaRPr lang="fr-BE"/>
           </a:p>
@@ -4958,7 +4958,7 @@
           <a:p>
             <a:fld id="{FA7962D8-ED67-4C2E-9ACC-4428B683D14A}" type="datetime1">
               <a:rPr lang="fr-BE" smtClean="0"/>
-              <a:t>26/06/18</a:t>
+              <a:t>10/07/18</a:t>
             </a:fld>
             <a:endParaRPr lang="fr-BE"/>
           </a:p>
@@ -5243,7 +5243,7 @@
           <a:p>
             <a:fld id="{9512C16A-3A43-457D-AE6E-3B787C16786E}" type="datetime1">
               <a:rPr lang="fr-BE" smtClean="0"/>
-              <a:t>26/06/18</a:t>
+              <a:t>10/07/18</a:t>
             </a:fld>
             <a:endParaRPr lang="fr-BE"/>
           </a:p>
@@ -5567,7 +5567,7 @@
           <a:p>
             <a:fld id="{0B79E778-47BC-4C7B-BEB3-1142D63119CE}" type="datetime1">
               <a:rPr lang="fr-BE" smtClean="0"/>
-              <a:t>26/06/18</a:t>
+              <a:t>10/07/18</a:t>
             </a:fld>
             <a:endParaRPr lang="fr-BE"/>
           </a:p>
@@ -5781,7 +5781,7 @@
           <a:p>
             <a:fld id="{08D216A8-DFA9-4ED4-BA3E-FD2F4F8AEF13}" type="datetime1">
               <a:rPr lang="fr-BE" smtClean="0"/>
-              <a:t>26/06/18</a:t>
+              <a:t>10/07/18</a:t>
             </a:fld>
             <a:endParaRPr lang="fr-BE"/>
           </a:p>
@@ -6374,13 +6374,13 @@
   <p:clrMapOvr>
     <a:masterClrMapping/>
   </p:clrMapOvr>
-  <mc:AlternateContent xmlns:mc="http://schemas.openxmlformats.org/markup-compatibility/2006">
-    <mc:Choice xmlns:p14="http://schemas.microsoft.com/office/powerpoint/2010/main" Requires="p14">
+  <mc:AlternateContent xmlns:mc="http://schemas.openxmlformats.org/markup-compatibility/2006" xmlns:p14="http://schemas.microsoft.com/office/powerpoint/2010/main">
+    <mc:Choice Requires="p14">
       <p:transition spd="med" p14:dur="700">
         <p:fade/>
       </p:transition>
     </mc:Choice>
-    <mc:Fallback>
+    <mc:Fallback xmlns="">
       <p:transition spd="med">
         <p:fade/>
       </p:transition>
@@ -6576,7 +6576,7 @@
           <a:noFill/>
           <a:extLst>
             <a:ext uri="{909E8E84-426E-40dd-AFC4-6F175D3DCCD1}">
-              <a14:hiddenFill xmlns:a14="http://schemas.microsoft.com/office/drawing/2010/main" xmlns="">
+              <a14:hiddenFill xmlns="" xmlns:a14="http://schemas.microsoft.com/office/drawing/2010/main">
                 <a:solidFill>
                   <a:srgbClr val="FFFFFF"/>
                 </a:solidFill>
@@ -6595,13 +6595,13 @@
   <p:clrMapOvr>
     <a:masterClrMapping/>
   </p:clrMapOvr>
-  <mc:AlternateContent xmlns:mc="http://schemas.openxmlformats.org/markup-compatibility/2006">
-    <mc:Choice xmlns:p14="http://schemas.microsoft.com/office/powerpoint/2010/main" Requires="p14">
+  <mc:AlternateContent xmlns:mc="http://schemas.openxmlformats.org/markup-compatibility/2006" xmlns:p14="http://schemas.microsoft.com/office/powerpoint/2010/main">
+    <mc:Choice Requires="p14">
       <p:transition spd="med" p14:dur="700">
         <p:fade/>
       </p:transition>
     </mc:Choice>
-    <mc:Fallback>
+    <mc:Fallback xmlns="">
       <p:transition spd="med">
         <p:fade/>
       </p:transition>
@@ -6697,9 +6697,17 @@
             <a:pPr lvl="1"/>
             <a:r>
               <a:rPr lang="fr-FR" sz="2000" dirty="0" smtClean="0"/>
-              <a:t>Windows Phone développé par Microsoft</a:t>
-            </a:r>
-            <a:endParaRPr lang="fr-BE" sz="2000" dirty="0"/>
+              <a:t>Windows Phone développé par </a:t>
+            </a:r>
+            <a:r>
+              <a:rPr lang="fr-FR" sz="2000" dirty="0" smtClean="0"/>
+              <a:t>Microsoft		</a:t>
+            </a:r>
+            <a:endParaRPr lang="fr-BE" sz="2000" b="1" dirty="0">
+              <a:solidFill>
+                <a:srgbClr val="FF0000"/>
+              </a:solidFill>
+            </a:endParaRPr>
           </a:p>
         </p:txBody>
       </p:sp>
@@ -6757,7 +6765,7 @@
           <a:noFill/>
           <a:extLst>
             <a:ext uri="{909E8E84-426E-40dd-AFC4-6F175D3DCCD1}">
-              <a14:hiddenFill xmlns:a14="http://schemas.microsoft.com/office/drawing/2010/main" xmlns="">
+              <a14:hiddenFill xmlns="" xmlns:a14="http://schemas.microsoft.com/office/drawing/2010/main">
                 <a:solidFill>
                   <a:srgbClr val="FFFFFF"/>
                 </a:solidFill>
@@ -6797,7 +6805,7 @@
           <a:noFill/>
           <a:extLst>
             <a:ext uri="{909E8E84-426E-40dd-AFC4-6F175D3DCCD1}">
-              <a14:hiddenFill xmlns:a14="http://schemas.microsoft.com/office/drawing/2010/main" xmlns="">
+              <a14:hiddenFill xmlns="" xmlns:a14="http://schemas.microsoft.com/office/drawing/2010/main">
                 <a:solidFill>
                   <a:srgbClr val="FFFFFF"/>
                 </a:solidFill>
@@ -6837,7 +6845,7 @@
           <a:noFill/>
           <a:extLst>
             <a:ext uri="{909E8E84-426E-40dd-AFC4-6F175D3DCCD1}">
-              <a14:hiddenFill xmlns:a14="http://schemas.microsoft.com/office/drawing/2010/main" xmlns="">
+              <a14:hiddenFill xmlns="" xmlns:a14="http://schemas.microsoft.com/office/drawing/2010/main">
                 <a:solidFill>
                   <a:srgbClr val="FFFFFF"/>
                 </a:solidFill>
@@ -6846,6 +6854,85 @@
           </a:extLst>
         </p:spPr>
       </p:pic>
+      <p:sp>
+        <p:nvSpPr>
+          <p:cNvPr id="5" name="Trapèze 4"/>
+          <p:cNvSpPr/>
+          <p:nvPr/>
+        </p:nvSpPr>
+        <p:spPr>
+          <a:xfrm rot="10800000">
+            <a:off x="9788110" y="5172835"/>
+            <a:ext cx="1507066" cy="1453858"/>
+          </a:xfrm>
+          <a:prstGeom prst="trapezoid">
+            <a:avLst/>
+          </a:prstGeom>
+        </p:spPr>
+        <p:style>
+          <a:lnRef idx="2">
+            <a:schemeClr val="accent2">
+              <a:shade val="50000"/>
+            </a:schemeClr>
+          </a:lnRef>
+          <a:fillRef idx="1">
+            <a:schemeClr val="accent2"/>
+          </a:fillRef>
+          <a:effectRef idx="0">
+            <a:schemeClr val="accent2"/>
+          </a:effectRef>
+          <a:fontRef idx="minor">
+            <a:schemeClr val="lt1"/>
+          </a:fontRef>
+        </p:style>
+        <p:txBody>
+          <a:bodyPr rtlCol="0" anchor="ctr"/>
+          <a:lstStyle/>
+          <a:p>
+            <a:pPr algn="ctr"/>
+            <a:endParaRPr lang="fr-FR"/>
+          </a:p>
+        </p:txBody>
+      </p:sp>
+      <p:sp>
+        <p:nvSpPr>
+          <p:cNvPr id="6" name="ZoneTexte 5"/>
+          <p:cNvSpPr txBox="1"/>
+          <p:nvPr/>
+        </p:nvSpPr>
+        <p:spPr>
+          <a:xfrm>
+            <a:off x="6042026" y="3504968"/>
+            <a:ext cx="1861407" cy="461665"/>
+          </a:xfrm>
+          <a:prstGeom prst="rect">
+            <a:avLst/>
+          </a:prstGeom>
+          <a:noFill/>
+        </p:spPr>
+        <p:txBody>
+          <a:bodyPr wrap="none" rtlCol="0">
+            <a:spAutoFit/>
+          </a:bodyPr>
+          <a:lstStyle/>
+          <a:p>
+            <a:r>
+              <a:rPr lang="fr-FR" sz="2400" b="1" dirty="0" smtClean="0">
+                <a:solidFill>
+                  <a:srgbClr val="FF0000"/>
+                </a:solidFill>
+                <a:sym typeface="Wingdings"/>
+              </a:rPr>
+              <a:t> POUBELLE</a:t>
+            </a:r>
+            <a:endParaRPr lang="fr-FR" sz="2400" b="1" dirty="0">
+              <a:solidFill>
+                <a:srgbClr val="FF0000"/>
+              </a:solidFill>
+            </a:endParaRPr>
+          </a:p>
+        </p:txBody>
+      </p:sp>
     </p:spTree>
     <p:extLst>
       <p:ext uri="{BB962C8B-B14F-4D97-AF65-F5344CB8AC3E}">
@@ -6856,13 +6943,13 @@
   <p:clrMapOvr>
     <a:masterClrMapping/>
   </p:clrMapOvr>
-  <mc:AlternateContent xmlns:mc="http://schemas.openxmlformats.org/markup-compatibility/2006">
-    <mc:Choice xmlns:p14="http://schemas.microsoft.com/office/powerpoint/2010/main" Requires="p14">
+  <mc:AlternateContent xmlns:mc="http://schemas.openxmlformats.org/markup-compatibility/2006" xmlns:p14="http://schemas.microsoft.com/office/powerpoint/2010/main">
+    <mc:Choice Requires="p14">
       <p:transition spd="med" p14:dur="700">
         <p:fade/>
       </p:transition>
     </mc:Choice>
-    <mc:Fallback>
+    <mc:Fallback xmlns="">
       <p:transition spd="med">
         <p:fade/>
       </p:transition>
@@ -6871,9 +6958,246 @@
   <p:timing>
     <p:tnLst>
       <p:par>
-        <p:cTn id="1" dur="indefinite" restart="never" nodeType="tmRoot"/>
+        <p:cTn id="1" dur="indefinite" restart="never" nodeType="tmRoot">
+          <p:childTnLst>
+            <p:seq concurrent="1" nextAc="seek">
+              <p:cTn id="2" dur="indefinite" nodeType="mainSeq">
+                <p:childTnLst>
+                  <p:par>
+                    <p:cTn id="3" fill="hold">
+                      <p:stCondLst>
+                        <p:cond delay="indefinite"/>
+                      </p:stCondLst>
+                      <p:childTnLst>
+                        <p:par>
+                          <p:cTn id="4" fill="hold">
+                            <p:stCondLst>
+                              <p:cond delay="0"/>
+                            </p:stCondLst>
+                            <p:childTnLst>
+                              <p:par>
+                                <p:cTn id="5" presetID="8" presetClass="emph" presetSubtype="0" fill="hold" nodeType="clickEffect">
+                                  <p:stCondLst>
+                                    <p:cond delay="0"/>
+                                  </p:stCondLst>
+                                  <p:childTnLst>
+                                    <p:animRot by="5400000">
+                                      <p:cBhvr>
+                                        <p:cTn id="6" dur="2000" fill="hold"/>
+                                        <p:tgtEl>
+                                          <p:spTgt spid="1030"/>
+                                        </p:tgtEl>
+                                        <p:attrNameLst>
+                                          <p:attrName>r</p:attrName>
+                                        </p:attrNameLst>
+                                      </p:cBhvr>
+                                    </p:animRot>
+                                  </p:childTnLst>
+                                </p:cTn>
+                              </p:par>
+                              <p:par>
+                                <p:cTn id="7" presetID="0" presetClass="path" presetSubtype="0" accel="50000" fill="hold" nodeType="withEffect">
+                                  <p:stCondLst>
+                                    <p:cond delay="0"/>
+                                  </p:stCondLst>
+                                  <p:childTnLst>
+                                    <p:animMotion origin="layout" path="M 2.70833E-6 5.92593E-6 C -0.00182 -0.00069 -0.00391 -0.00069 -0.00547 -0.00231 C -0.01107 -0.0081 -0.00911 -0.01041 -0.01107 -0.01967 C -0.0125 -0.02685 -0.01432 -0.03078 -0.01667 -0.03703 C -0.01758 -0.04189 -0.01862 -0.04675 -0.0194 -0.05185 C -0.01979 -0.05509 -0.02005 -0.05856 -0.02083 -0.06157 C -0.02148 -0.06504 -0.02266 -0.06828 -0.02357 -0.07152 C -0.02396 -0.07569 -0.02448 -0.07985 -0.025 -0.08379 C -0.02539 -0.08888 -0.02578 -0.09374 -0.0263 -0.0986 C -0.02721 -0.10694 -0.02917 -0.12337 -0.02917 -0.12337 C -0.02865 -0.13657 -0.02956 -0.15023 -0.02773 -0.16296 C -0.02708 -0.16689 -0.02383 -0.16759 -0.02214 -0.17036 C -0.01875 -0.17569 -0.01563 -0.18171 -0.0125 -0.18749 C -0.01107 -0.19004 -0.0099 -0.19305 -0.00833 -0.1949 C -0.0069 -0.19652 -0.00534 -0.19791 -0.00417 -0.19999 C -0.0026 -0.20208 -0.00117 -0.20462 2.70833E-6 -0.2074 C 0.00156 -0.21041 0.00247 -0.21458 0.00417 -0.21712 C 0.00716 -0.22175 0.01172 -0.22291 0.01536 -0.22453 C 0.01901 -0.22291 0.02292 -0.22245 0.02643 -0.21967 C 0.02956 -0.21735 0.03477 -0.20972 0.03477 -0.20972 C 0.03698 -0.20393 0.03997 -0.19606 0.04167 -0.19004 C 0.04284 -0.1861 0.04362 -0.18171 0.04453 -0.17777 C 0.04479 -0.17337 0.04727 -0.13402 0.04727 -0.13078 C 0.04727 -0.11597 0.04687 -0.10115 0.04583 -0.08634 C 0.04557 -0.08124 0.04414 -0.07638 0.0431 -0.07152 C 0.04102 -0.06226 0.03763 -0.05347 0.03333 -0.04675 C 0.03229 -0.04513 0.0306 -0.04513 0.02917 -0.04444 C 0.02174 -0.04513 0.01432 -0.04536 0.00703 -0.04675 C 0.0056 -0.04722 0.0043 -0.0486 0.00286 -0.0493 C 0.00052 -0.05023 -0.00182 -0.05092 -0.00417 -0.05185 C -0.00599 -0.05347 -0.00781 -0.05532 -0.00964 -0.05671 C -0.01563 -0.06134 -0.01263 -0.05671 -0.0194 -0.06411 C -0.02135 -0.0662 -0.02305 -0.06898 -0.025 -0.07152 C -0.02591 -0.07569 -0.02669 -0.07985 -0.02773 -0.08379 C -0.02904 -0.08888 -0.03099 -0.09328 -0.0319 -0.0986 C -0.03294 -0.10509 -0.03281 -0.1118 -0.0332 -0.11851 C -0.03281 -0.13726 -0.03346 -0.15648 -0.0319 -0.17523 C -0.03151 -0.17939 -0.02878 -0.18148 -0.02773 -0.18518 C -0.02656 -0.18888 -0.02604 -0.19351 -0.025 -0.19745 C -0.01745 -0.22638 -0.02279 -0.20879 -0.0138 -0.22708 C -0.01237 -0.23009 -0.01133 -0.23402 -0.00964 -0.23703 C -0.00807 -0.23981 -0.00586 -0.24166 -0.00417 -0.24444 C -0.00117 -0.24907 0.00208 -0.25347 0.00417 -0.25925 C 0.00664 -0.26573 0.0069 -0.26828 0.0112 -0.27152 C 0.01289 -0.27291 0.01484 -0.27314 0.01667 -0.27407 C 0.01992 -0.27314 0.02357 -0.2743 0.02643 -0.27152 C 0.02995 -0.26828 0.03151 -0.26064 0.03477 -0.25671 L 0.03893 -0.25185 C 0.04362 -0.23935 0.04492 -0.23796 0.04727 -0.22453 C 0.04844 -0.21805 0.05 -0.20485 0.05 -0.20485 C 0.04753 -0.11481 0.05365 -0.18009 0.04453 -0.14305 C 0.04284 -0.13634 0.04401 -0.13078 0.04036 -0.12592 C 0.03789 -0.12245 0.03477 -0.12083 0.03203 -0.11851 C 0.02917 -0.12083 0.02617 -0.12245 0.0237 -0.12592 C 0.02161 -0.12847 0.01927 -0.14027 0.0181 -0.14305 C 0.01693 -0.14606 0.01536 -0.14814 0.01393 -0.15046 L 0.00833 -0.17036 C 0.00703 -0.17523 0.00534 -0.18009 0.00417 -0.18518 L -0.0013 -0.20972 C -0.00182 -0.21712 -0.00208 -0.22453 -0.00273 -0.23194 C -0.00299 -0.2361 -0.00365 -0.24027 -0.00417 -0.24444 C -0.00456 -0.2493 -0.00508 -0.25416 -0.00547 -0.25925 C -0.00508 -0.28796 -0.00534 -0.31689 -0.00417 -0.3456 C -0.00391 -0.35069 -0.00234 -0.35555 -0.0013 -0.36041 C 0.00221 -0.37777 0.00026 -0.36921 0.00703 -0.38518 C 0.02253 -0.42175 -0.00508 -0.35925 0.01393 -0.39999 C 0.01497 -0.40208 0.01562 -0.40509 0.01667 -0.4074 C 0.01836 -0.41087 0.02057 -0.41365 0.02227 -0.41712 C 0.02331 -0.41944 0.02396 -0.42245 0.025 -0.42453 C 0.0276 -0.42985 0.0306 -0.43448 0.03333 -0.43935 L 0.0375 -0.44675 C 0.03893 -0.4493 0.03984 -0.45347 0.04167 -0.45416 C 0.0487 -0.4574 0.04544 -0.45555 0.05143 -0.45902 C 0.05599 -0.45833 0.06094 -0.45948 0.06536 -0.45671 C 0.06667 -0.45578 0.06602 -0.45161 0.06667 -0.4493 C 0.06797 -0.4449 0.06953 -0.44097 0.07083 -0.43703 C 0.07135 -0.43194 0.07174 -0.42708 0.07227 -0.42222 C 0.07266 -0.41874 0.07318 -0.4155 0.0737 -0.41226 C 0.07891 -0.37823 0.07747 -0.38657 0.08203 -0.36296 C 0.08242 -0.35717 0.08268 -0.35115 0.08333 -0.3456 C 0.08464 -0.33564 0.08698 -0.32777 0.08893 -0.31851 C 0.08893 -0.31851 0.09232 -0.29999 0.0931 -0.29629 L 0.09453 -0.28888 C 0.09206 -0.25879 0.09427 -0.28263 0.09167 -0.26157 C 0.09115 -0.25763 0.09102 -0.25323 0.09036 -0.2493 C 0.08958 -0.24513 0.08841 -0.24097 0.0875 -0.23703 L 0.08477 -0.21226 L 0.08333 -0.19999 C 0.07812 -0.08911 0.0832 -0.20555 0.0806 0.06436 C 0.07891 0.22987 0.07917 0.04329 0.07917 0.1382 " pathEditMode="relative" ptsTypes="AAAAAAAAAAAAAAAAAAAAAAAAAAAAAAAAAAAAAAAAAAAAAAAAAAAAAAAAAAAAAAAAAAAAAAAAAAAAAAAAAAAAAAAAAA">
+                                      <p:cBhvr>
+                                        <p:cTn id="8" dur="3000" fill="hold"/>
+                                        <p:tgtEl>
+                                          <p:spTgt spid="1030"/>
+                                        </p:tgtEl>
+                                        <p:attrNameLst>
+                                          <p:attrName>ppt_x</p:attrName>
+                                          <p:attrName>ppt_y</p:attrName>
+                                        </p:attrNameLst>
+                                      </p:cBhvr>
+                                    </p:animMotion>
+                                  </p:childTnLst>
+                                </p:cTn>
+                              </p:par>
+                              <p:par>
+                                <p:cTn id="9" presetID="42" presetClass="entr" presetSubtype="0" fill="hold" grpId="0" nodeType="withEffect">
+                                  <p:stCondLst>
+                                    <p:cond delay="1500"/>
+                                  </p:stCondLst>
+                                  <p:childTnLst>
+                                    <p:set>
+                                      <p:cBhvr>
+                                        <p:cTn id="10" dur="1" fill="hold">
+                                          <p:stCondLst>
+                                            <p:cond delay="0"/>
+                                          </p:stCondLst>
+                                        </p:cTn>
+                                        <p:tgtEl>
+                                          <p:spTgt spid="5"/>
+                                        </p:tgtEl>
+                                        <p:attrNameLst>
+                                          <p:attrName>style.visibility</p:attrName>
+                                        </p:attrNameLst>
+                                      </p:cBhvr>
+                                      <p:to>
+                                        <p:strVal val="visible"/>
+                                      </p:to>
+                                    </p:set>
+                                    <p:animEffect transition="in" filter="fade">
+                                      <p:cBhvr>
+                                        <p:cTn id="11" dur="1000"/>
+                                        <p:tgtEl>
+                                          <p:spTgt spid="5"/>
+                                        </p:tgtEl>
+                                      </p:cBhvr>
+                                    </p:animEffect>
+                                    <p:anim calcmode="lin" valueType="num">
+                                      <p:cBhvr>
+                                        <p:cTn id="12" dur="1000" fill="hold"/>
+                                        <p:tgtEl>
+                                          <p:spTgt spid="5"/>
+                                        </p:tgtEl>
+                                        <p:attrNameLst>
+                                          <p:attrName>ppt_x</p:attrName>
+                                        </p:attrNameLst>
+                                      </p:cBhvr>
+                                      <p:tavLst>
+                                        <p:tav tm="0">
+                                          <p:val>
+                                            <p:strVal val="#ppt_x"/>
+                                          </p:val>
+                                        </p:tav>
+                                        <p:tav tm="100000">
+                                          <p:val>
+                                            <p:strVal val="#ppt_x"/>
+                                          </p:val>
+                                        </p:tav>
+                                      </p:tavLst>
+                                    </p:anim>
+                                    <p:anim calcmode="lin" valueType="num">
+                                      <p:cBhvr>
+                                        <p:cTn id="13" dur="1000" fill="hold"/>
+                                        <p:tgtEl>
+                                          <p:spTgt spid="5"/>
+                                        </p:tgtEl>
+                                        <p:attrNameLst>
+                                          <p:attrName>ppt_y</p:attrName>
+                                        </p:attrNameLst>
+                                      </p:cBhvr>
+                                      <p:tavLst>
+                                        <p:tav tm="0">
+                                          <p:val>
+                                            <p:strVal val="#ppt_y+.1"/>
+                                          </p:val>
+                                        </p:tav>
+                                        <p:tav tm="100000">
+                                          <p:val>
+                                            <p:strVal val="#ppt_y"/>
+                                          </p:val>
+                                        </p:tav>
+                                      </p:tavLst>
+                                    </p:anim>
+                                  </p:childTnLst>
+                                </p:cTn>
+                              </p:par>
+                              <p:par>
+                                <p:cTn id="14" presetID="22" presetClass="exit" presetSubtype="2" fill="hold" nodeType="withEffect">
+                                  <p:stCondLst>
+                                    <p:cond delay="2500"/>
+                                  </p:stCondLst>
+                                  <p:childTnLst>
+                                    <p:animEffect transition="out" filter="wipe(right)">
+                                      <p:cBhvr>
+                                        <p:cTn id="15" dur="500"/>
+                                        <p:tgtEl>
+                                          <p:spTgt spid="1030"/>
+                                        </p:tgtEl>
+                                      </p:cBhvr>
+                                    </p:animEffect>
+                                    <p:set>
+                                      <p:cBhvr>
+                                        <p:cTn id="16" dur="1" fill="hold">
+                                          <p:stCondLst>
+                                            <p:cond delay="499"/>
+                                          </p:stCondLst>
+                                        </p:cTn>
+                                        <p:tgtEl>
+                                          <p:spTgt spid="1030"/>
+                                        </p:tgtEl>
+                                        <p:attrNameLst>
+                                          <p:attrName>style.visibility</p:attrName>
+                                        </p:attrNameLst>
+                                      </p:cBhvr>
+                                      <p:to>
+                                        <p:strVal val="hidden"/>
+                                      </p:to>
+                                    </p:set>
+                                  </p:childTnLst>
+                                </p:cTn>
+                              </p:par>
+                              <p:par>
+                                <p:cTn id="17" presetID="22" presetClass="entr" presetSubtype="8" fill="hold" grpId="0" nodeType="withEffect">
+                                  <p:stCondLst>
+                                    <p:cond delay="0"/>
+                                  </p:stCondLst>
+                                  <p:childTnLst>
+                                    <p:set>
+                                      <p:cBhvr>
+                                        <p:cTn id="18" dur="1" fill="hold">
+                                          <p:stCondLst>
+                                            <p:cond delay="0"/>
+                                          </p:stCondLst>
+                                        </p:cTn>
+                                        <p:tgtEl>
+                                          <p:spTgt spid="6"/>
+                                        </p:tgtEl>
+                                        <p:attrNameLst>
+                                          <p:attrName>style.visibility</p:attrName>
+                                        </p:attrNameLst>
+                                      </p:cBhvr>
+                                      <p:to>
+                                        <p:strVal val="visible"/>
+                                      </p:to>
+                                    </p:set>
+                                    <p:animEffect transition="in" filter="wipe(left)">
+                                      <p:cBhvr>
+                                        <p:cTn id="19" dur="2000"/>
+                                        <p:tgtEl>
+                                          <p:spTgt spid="6"/>
+                                        </p:tgtEl>
+                                      </p:cBhvr>
+                                    </p:animEffect>
+                                  </p:childTnLst>
+                                </p:cTn>
+                              </p:par>
+                            </p:childTnLst>
+                          </p:cTn>
+                        </p:par>
+                      </p:childTnLst>
+                    </p:cTn>
+                  </p:par>
+                </p:childTnLst>
+              </p:cTn>
+              <p:prevCondLst>
+                <p:cond evt="onPrev" delay="0">
+                  <p:tgtEl>
+                    <p:sldTgt/>
+                  </p:tgtEl>
+                </p:cond>
+              </p:prevCondLst>
+              <p:nextCondLst>
+                <p:cond evt="onNext" delay="0">
+                  <p:tgtEl>
+                    <p:sldTgt/>
+                  </p:tgtEl>
+                </p:cond>
+              </p:nextCondLst>
+            </p:seq>
+          </p:childTnLst>
+        </p:cTn>
       </p:par>
     </p:tnLst>
+    <p:bldLst>
+      <p:bldP spid="5" grpId="0" animBg="1"/>
+      <p:bldP spid="6" grpId="0"/>
+    </p:bldLst>
   </p:timing>
 </p:sld>
 </file>
@@ -6974,13 +7298,8 @@
           <a:p>
             <a:r>
               <a:rPr lang="fr-FR" sz="2000" dirty="0" smtClean="0"/>
-              <a:t>De nombreux constructeurs font confiance à Android pour leurs </a:t>
-            </a:r>
-            <a:r>
-              <a:rPr lang="fr-FR" sz="2000" dirty="0" smtClean="0"/>
-              <a:t>téléphones</a:t>
-            </a:r>
-            <a:endParaRPr lang="fr-FR" sz="2000" dirty="0" smtClean="0"/>
+              <a:t>De nombreux constructeurs font confiance à Android pour leurs téléphones</a:t>
+            </a:r>
           </a:p>
         </p:txBody>
       </p:sp>
@@ -7017,13 +7336,13 @@
   <p:clrMapOvr>
     <a:masterClrMapping/>
   </p:clrMapOvr>
-  <mc:AlternateContent xmlns:mc="http://schemas.openxmlformats.org/markup-compatibility/2006">
-    <mc:Choice xmlns:p14="http://schemas.microsoft.com/office/powerpoint/2010/main" Requires="p14">
+  <mc:AlternateContent xmlns:mc="http://schemas.openxmlformats.org/markup-compatibility/2006" xmlns:p14="http://schemas.microsoft.com/office/powerpoint/2010/main">
+    <mc:Choice Requires="p14">
       <p:transition spd="med" p14:dur="700">
         <p:fade/>
       </p:transition>
     </mc:Choice>
-    <mc:Fallback>
+    <mc:Fallback xmlns="">
       <p:transition spd="med">
         <p:fade/>
       </p:transition>
@@ -7134,7 +7453,7 @@
           <a:noFill/>
           <a:extLst>
             <a:ext uri="{909E8E84-426E-40dd-AFC4-6F175D3DCCD1}">
-              <a14:hiddenFill xmlns:a14="http://schemas.microsoft.com/office/drawing/2010/main" xmlns="">
+              <a14:hiddenFill xmlns="" xmlns:a14="http://schemas.microsoft.com/office/drawing/2010/main">
                 <a:solidFill>
                   <a:srgbClr val="FFFFFF"/>
                 </a:solidFill>
@@ -7153,13 +7472,13 @@
   <p:clrMapOvr>
     <a:masterClrMapping/>
   </p:clrMapOvr>
-  <mc:AlternateContent xmlns:mc="http://schemas.openxmlformats.org/markup-compatibility/2006">
-    <mc:Choice xmlns:p14="http://schemas.microsoft.com/office/powerpoint/2010/main" Requires="p14">
+  <mc:AlternateContent xmlns:mc="http://schemas.openxmlformats.org/markup-compatibility/2006" xmlns:p14="http://schemas.microsoft.com/office/powerpoint/2010/main">
+    <mc:Choice Requires="p14">
       <p:transition spd="med" p14:dur="700">
         <p:fade/>
       </p:transition>
     </mc:Choice>
-    <mc:Fallback>
+    <mc:Fallback xmlns="">
       <p:transition spd="med">
         <p:fade/>
       </p:transition>
@@ -7287,13 +7606,13 @@
   <p:clrMapOvr>
     <a:masterClrMapping/>
   </p:clrMapOvr>
-  <mc:AlternateContent xmlns:mc="http://schemas.openxmlformats.org/markup-compatibility/2006">
-    <mc:Choice xmlns:p14="http://schemas.microsoft.com/office/powerpoint/2010/main" Requires="p14">
+  <mc:AlternateContent xmlns:mc="http://schemas.openxmlformats.org/markup-compatibility/2006" xmlns:p14="http://schemas.microsoft.com/office/powerpoint/2010/main">
+    <mc:Choice Requires="p14">
       <p:transition spd="med" p14:dur="700">
         <p:fade/>
       </p:transition>
     </mc:Choice>
-    <mc:Fallback>
+    <mc:Fallback xmlns="">
       <p:transition spd="med">
         <p:fade/>
       </p:transition>
@@ -7408,11 +7727,7 @@
             </a:r>
             <a:r>
               <a:rPr lang="fr-FR" sz="2400" dirty="0" smtClean="0"/>
-              <a:t> et tout le monde peut alors les télécharger et les </a:t>
-            </a:r>
-            <a:r>
-              <a:rPr lang="fr-FR" sz="2400" dirty="0" smtClean="0"/>
-              <a:t>installer.</a:t>
+              <a:t> et tout le monde peut alors les télécharger et les installer.</a:t>
             </a:r>
             <a:endParaRPr lang="fr-BE" sz="2400" dirty="0"/>
           </a:p>
@@ -7451,13 +7766,13 @@
   <p:clrMapOvr>
     <a:masterClrMapping/>
   </p:clrMapOvr>
-  <mc:AlternateContent xmlns:mc="http://schemas.openxmlformats.org/markup-compatibility/2006">
-    <mc:Choice xmlns:p14="http://schemas.microsoft.com/office/powerpoint/2010/main" Requires="p14">
+  <mc:AlternateContent xmlns:mc="http://schemas.openxmlformats.org/markup-compatibility/2006" xmlns:p14="http://schemas.microsoft.com/office/powerpoint/2010/main">
+    <mc:Choice Requires="p14">
       <p:transition spd="med" p14:dur="700">
         <p:fade/>
       </p:transition>
     </mc:Choice>
-    <mc:Fallback>
+    <mc:Fallback xmlns="">
       <p:transition spd="med">
         <p:fade/>
       </p:transition>
@@ -7750,13 +8065,13 @@
   <p:clrMapOvr>
     <a:masterClrMapping/>
   </p:clrMapOvr>
-  <mc:AlternateContent xmlns:mc="http://schemas.openxmlformats.org/markup-compatibility/2006">
-    <mc:Choice xmlns:p14="http://schemas.microsoft.com/office/powerpoint/2010/main" Requires="p14">
+  <mc:AlternateContent xmlns:mc="http://schemas.openxmlformats.org/markup-compatibility/2006" xmlns:p14="http://schemas.microsoft.com/office/powerpoint/2010/main">
+    <mc:Choice Requires="p14">
       <p:transition spd="med" p14:dur="700">
         <p:fade/>
       </p:transition>
     </mc:Choice>
-    <mc:Fallback>
+    <mc:Fallback xmlns="">
       <p:transition spd="med">
         <p:fade/>
       </p:transition>
